--- a/DSA06-List/figures/figures.pptx
+++ b/DSA06-List/figures/figures.pptx
@@ -207,7 +207,7 @@
           <a:p>
             <a:fld id="{584920C7-C25A-664B-9A52-492C7F15B7FA}" type="datetimeFigureOut">
               <a:rPr lang="en-US" smtClean="0"/>
-              <a:t>4/4/17</a:t>
+              <a:t>4/10/17</a:t>
             </a:fld>
             <a:endParaRPr lang="en-US"/>
           </a:p>
@@ -606,7 +606,7 @@
           <a:p>
             <a:fld id="{0E479A5B-CC94-9547-97CB-F1593DCBBC82}" type="datetimeFigureOut">
               <a:rPr lang="en-US" smtClean="0"/>
-              <a:t>4/4/17</a:t>
+              <a:t>4/10/17</a:t>
             </a:fld>
             <a:endParaRPr lang="en-US"/>
           </a:p>
@@ -776,7 +776,7 @@
           <a:p>
             <a:fld id="{0E479A5B-CC94-9547-97CB-F1593DCBBC82}" type="datetimeFigureOut">
               <a:rPr lang="en-US" smtClean="0"/>
-              <a:t>4/4/17</a:t>
+              <a:t>4/10/17</a:t>
             </a:fld>
             <a:endParaRPr lang="en-US"/>
           </a:p>
@@ -956,7 +956,7 @@
           <a:p>
             <a:fld id="{0E479A5B-CC94-9547-97CB-F1593DCBBC82}" type="datetimeFigureOut">
               <a:rPr lang="en-US" smtClean="0"/>
-              <a:t>4/4/17</a:t>
+              <a:t>4/10/17</a:t>
             </a:fld>
             <a:endParaRPr lang="en-US"/>
           </a:p>
@@ -1126,7 +1126,7 @@
           <a:p>
             <a:fld id="{0E479A5B-CC94-9547-97CB-F1593DCBBC82}" type="datetimeFigureOut">
               <a:rPr lang="en-US" smtClean="0"/>
-              <a:t>4/4/17</a:t>
+              <a:t>4/10/17</a:t>
             </a:fld>
             <a:endParaRPr lang="en-US"/>
           </a:p>
@@ -1372,7 +1372,7 @@
           <a:p>
             <a:fld id="{0E479A5B-CC94-9547-97CB-F1593DCBBC82}" type="datetimeFigureOut">
               <a:rPr lang="en-US" smtClean="0"/>
-              <a:t>4/4/17</a:t>
+              <a:t>4/10/17</a:t>
             </a:fld>
             <a:endParaRPr lang="en-US"/>
           </a:p>
@@ -1604,7 +1604,7 @@
           <a:p>
             <a:fld id="{0E479A5B-CC94-9547-97CB-F1593DCBBC82}" type="datetimeFigureOut">
               <a:rPr lang="en-US" smtClean="0"/>
-              <a:t>4/4/17</a:t>
+              <a:t>4/10/17</a:t>
             </a:fld>
             <a:endParaRPr lang="en-US"/>
           </a:p>
@@ -1971,7 +1971,7 @@
           <a:p>
             <a:fld id="{0E479A5B-CC94-9547-97CB-F1593DCBBC82}" type="datetimeFigureOut">
               <a:rPr lang="en-US" smtClean="0"/>
-              <a:t>4/4/17</a:t>
+              <a:t>4/10/17</a:t>
             </a:fld>
             <a:endParaRPr lang="en-US"/>
           </a:p>
@@ -2089,7 +2089,7 @@
           <a:p>
             <a:fld id="{0E479A5B-CC94-9547-97CB-F1593DCBBC82}" type="datetimeFigureOut">
               <a:rPr lang="en-US" smtClean="0"/>
-              <a:t>4/4/17</a:t>
+              <a:t>4/10/17</a:t>
             </a:fld>
             <a:endParaRPr lang="en-US"/>
           </a:p>
@@ -2184,7 +2184,7 @@
           <a:p>
             <a:fld id="{0E479A5B-CC94-9547-97CB-F1593DCBBC82}" type="datetimeFigureOut">
               <a:rPr lang="en-US" smtClean="0"/>
-              <a:t>4/4/17</a:t>
+              <a:t>4/10/17</a:t>
             </a:fld>
             <a:endParaRPr lang="en-US"/>
           </a:p>
@@ -2461,7 +2461,7 @@
           <a:p>
             <a:fld id="{0E479A5B-CC94-9547-97CB-F1593DCBBC82}" type="datetimeFigureOut">
               <a:rPr lang="en-US" smtClean="0"/>
-              <a:t>4/4/17</a:t>
+              <a:t>4/10/17</a:t>
             </a:fld>
             <a:endParaRPr lang="en-US"/>
           </a:p>
@@ -2714,7 +2714,7 @@
           <a:p>
             <a:fld id="{0E479A5B-CC94-9547-97CB-F1593DCBBC82}" type="datetimeFigureOut">
               <a:rPr lang="en-US" smtClean="0"/>
-              <a:t>4/4/17</a:t>
+              <a:t>4/10/17</a:t>
             </a:fld>
             <a:endParaRPr lang="en-US"/>
           </a:p>
@@ -2927,7 +2927,7 @@
           <a:p>
             <a:fld id="{0E479A5B-CC94-9547-97CB-F1593DCBBC82}" type="datetimeFigureOut">
               <a:rPr lang="en-US" smtClean="0"/>
-              <a:t>4/4/17</a:t>
+              <a:t>4/10/17</a:t>
             </a:fld>
             <a:endParaRPr lang="en-US"/>
           </a:p>
@@ -15457,7 +15457,7 @@
         <p:spPr>
           <a:xfrm>
             <a:off x="8572858" y="747755"/>
-            <a:ext cx="885311" cy="461665"/>
+            <a:ext cx="1149882" cy="461665"/>
           </a:xfrm>
           <a:prstGeom prst="rect">
             <a:avLst/>
@@ -16312,7 +16312,7 @@
         <p:spPr>
           <a:xfrm>
             <a:off x="8502432" y="3154109"/>
-            <a:ext cx="885311" cy="461665"/>
+            <a:ext cx="1189943" cy="461665"/>
           </a:xfrm>
           <a:prstGeom prst="rect">
             <a:avLst/>
@@ -16371,8 +16371,8 @@
         </p:nvSpPr>
         <p:spPr>
           <a:xfrm>
-            <a:off x="-721217" y="235188"/>
-            <a:ext cx="8916650" cy="1485094"/>
+            <a:off x="213052" y="235188"/>
+            <a:ext cx="8916650" cy="1831210"/>
           </a:xfrm>
           <a:prstGeom prst="rect">
             <a:avLst/>
@@ -16417,7 +16417,7 @@
         </p:nvSpPr>
         <p:spPr>
           <a:xfrm>
-            <a:off x="2025858" y="679421"/>
+            <a:off x="2960127" y="679421"/>
             <a:ext cx="617791" cy="565265"/>
           </a:xfrm>
           <a:prstGeom prst="rect">
@@ -16461,7 +16461,7 @@
         </p:nvCxnSpPr>
         <p:spPr>
           <a:xfrm>
-            <a:off x="2362631" y="993423"/>
+            <a:off x="3296900" y="993423"/>
             <a:ext cx="767432" cy="480786"/>
           </a:xfrm>
           <a:prstGeom prst="bentConnector3">
@@ -16497,8 +16497,8 @@
         </p:nvSpPr>
         <p:spPr>
           <a:xfrm>
-            <a:off x="1964740" y="325772"/>
-            <a:ext cx="689400" cy="369332"/>
+            <a:off x="2899008" y="325772"/>
+            <a:ext cx="894745" cy="369332"/>
           </a:xfrm>
           <a:prstGeom prst="rect">
             <a:avLst/>
@@ -16527,7 +16527,7 @@
         </p:nvGrpSpPr>
         <p:grpSpPr>
           <a:xfrm>
-            <a:off x="3160908" y="710790"/>
+            <a:off x="4095177" y="710790"/>
             <a:ext cx="1675284" cy="565266"/>
             <a:chOff x="1762298" y="2377439"/>
             <a:chExt cx="1274200" cy="565266"/>
@@ -16717,7 +16717,7 @@
         </p:nvCxnSpPr>
         <p:spPr>
           <a:xfrm>
-            <a:off x="4429595" y="994274"/>
+            <a:off x="5363864" y="994274"/>
             <a:ext cx="802839" cy="525455"/>
           </a:xfrm>
           <a:prstGeom prst="bentConnector3">
@@ -16753,7 +16753,7 @@
         </p:nvGrpSpPr>
         <p:grpSpPr>
           <a:xfrm>
-            <a:off x="5272744" y="695104"/>
+            <a:off x="6207013" y="695104"/>
             <a:ext cx="1675284" cy="565266"/>
             <a:chOff x="1762298" y="2377439"/>
             <a:chExt cx="1274200" cy="565266"/>
@@ -16941,7 +16941,7 @@
         </p:nvCxnSpPr>
         <p:spPr>
           <a:xfrm>
-            <a:off x="6541431" y="978588"/>
+            <a:off x="7475700" y="978588"/>
             <a:ext cx="836146" cy="0"/>
           </a:xfrm>
           <a:prstGeom prst="straightConnector1">
@@ -16975,7 +16975,7 @@
         </p:nvSpPr>
         <p:spPr>
           <a:xfrm>
-            <a:off x="7310122" y="747755"/>
+            <a:off x="8244391" y="747755"/>
             <a:ext cx="1321863" cy="461665"/>
           </a:xfrm>
           <a:prstGeom prst="rect">
@@ -17005,7 +17005,7 @@
         </p:nvSpPr>
         <p:spPr>
           <a:xfrm>
-            <a:off x="3130063" y="1289543"/>
+            <a:off x="4064332" y="1289543"/>
             <a:ext cx="1127232" cy="369332"/>
           </a:xfrm>
           <a:prstGeom prst="rect">
@@ -17039,7 +17039,7 @@
         </p:nvSpPr>
         <p:spPr>
           <a:xfrm>
-            <a:off x="5232434" y="1335063"/>
+            <a:off x="6166703" y="1335063"/>
             <a:ext cx="1005403" cy="369332"/>
           </a:xfrm>
           <a:prstGeom prst="rect">
@@ -17069,7 +17069,7 @@
         </p:nvSpPr>
         <p:spPr>
           <a:xfrm>
-            <a:off x="1617968" y="1257001"/>
+            <a:off x="2552237" y="1257001"/>
             <a:ext cx="1005403" cy="369332"/>
           </a:xfrm>
           <a:prstGeom prst="rect">
@@ -17099,7 +17099,7 @@
         </p:nvGrpSpPr>
         <p:grpSpPr>
           <a:xfrm>
-            <a:off x="-551471" y="710790"/>
+            <a:off x="382798" y="710790"/>
             <a:ext cx="1675284" cy="565266"/>
             <a:chOff x="1762298" y="2377439"/>
             <a:chExt cx="1274200" cy="565266"/>
@@ -17282,17 +17282,20 @@
       <p:cxnSp>
         <p:nvCxnSpPr>
           <p:cNvPr id="83" name="Straight Arrow Connector 7"/>
-          <p:cNvCxnSpPr/>
+          <p:cNvCxnSpPr>
+            <a:stCxn id="109" idx="2"/>
+            <a:endCxn id="110" idx="2"/>
+          </p:cNvCxnSpPr>
           <p:nvPr/>
         </p:nvCxnSpPr>
         <p:spPr>
-          <a:xfrm>
-            <a:off x="826937" y="993421"/>
-            <a:ext cx="767432" cy="480786"/>
+          <a:xfrm rot="16200000" flipH="1">
+            <a:off x="2659319" y="70391"/>
+            <a:ext cx="631521" cy="2468056"/>
           </a:xfrm>
           <a:prstGeom prst="bentConnector3">
             <a:avLst>
-              <a:gd name="adj1" fmla="val 50000"/>
+              <a:gd name="adj1" fmla="val 153673"/>
             </a:avLst>
           </a:prstGeom>
           <a:ln w="50800">
@@ -17323,7 +17326,7 @@
         </p:nvSpPr>
         <p:spPr>
           <a:xfrm>
-            <a:off x="-609955" y="1284786"/>
+            <a:off x="324314" y="1284786"/>
             <a:ext cx="1220206" cy="369332"/>
           </a:xfrm>
           <a:prstGeom prst="rect">
@@ -17353,7 +17356,7 @@
         </p:nvSpPr>
         <p:spPr>
           <a:xfrm>
-            <a:off x="-787629" y="2258166"/>
+            <a:off x="146640" y="2258166"/>
             <a:ext cx="8916650" cy="1485094"/>
           </a:xfrm>
           <a:prstGeom prst="rect">
@@ -17399,7 +17402,7 @@
         </p:nvSpPr>
         <p:spPr>
           <a:xfrm>
-            <a:off x="1959446" y="2702399"/>
+            <a:off x="2893715" y="2702399"/>
             <a:ext cx="617791" cy="565265"/>
           </a:xfrm>
           <a:prstGeom prst="rect">
@@ -17441,7 +17444,7 @@
         </p:nvCxnSpPr>
         <p:spPr>
           <a:xfrm>
-            <a:off x="2296219" y="3016401"/>
+            <a:off x="3230488" y="3016401"/>
             <a:ext cx="767432" cy="480786"/>
           </a:xfrm>
           <a:prstGeom prst="bentConnector3">
@@ -17477,8 +17480,8 @@
         </p:nvSpPr>
         <p:spPr>
           <a:xfrm>
-            <a:off x="1898328" y="2348750"/>
-            <a:ext cx="689400" cy="369332"/>
+            <a:off x="2832596" y="2348750"/>
+            <a:ext cx="836567" cy="369332"/>
           </a:xfrm>
           <a:prstGeom prst="rect">
             <a:avLst/>
@@ -17507,7 +17510,7 @@
         </p:nvGrpSpPr>
         <p:grpSpPr>
           <a:xfrm>
-            <a:off x="3094496" y="2733768"/>
+            <a:off x="4028765" y="2733768"/>
             <a:ext cx="1675284" cy="565266"/>
             <a:chOff x="1762298" y="2377439"/>
             <a:chExt cx="1274200" cy="565266"/>
@@ -17695,7 +17698,7 @@
         </p:nvCxnSpPr>
         <p:spPr>
           <a:xfrm>
-            <a:off x="4363183" y="3017252"/>
+            <a:off x="5297452" y="3017252"/>
             <a:ext cx="802839" cy="525455"/>
           </a:xfrm>
           <a:prstGeom prst="bentConnector3">
@@ -17731,7 +17734,7 @@
         </p:nvGrpSpPr>
         <p:grpSpPr>
           <a:xfrm>
-            <a:off x="5206332" y="2718082"/>
+            <a:off x="6140601" y="2718082"/>
             <a:ext cx="1675284" cy="565266"/>
             <a:chOff x="1762298" y="2377439"/>
             <a:chExt cx="1274200" cy="565266"/>
@@ -17919,7 +17922,7 @@
         </p:nvCxnSpPr>
         <p:spPr>
           <a:xfrm>
-            <a:off x="6475019" y="3001566"/>
+            <a:off x="7409288" y="3001566"/>
             <a:ext cx="836146" cy="0"/>
           </a:xfrm>
           <a:prstGeom prst="straightConnector1">
@@ -17953,7 +17956,7 @@
         </p:nvSpPr>
         <p:spPr>
           <a:xfrm>
-            <a:off x="7243710" y="2770733"/>
+            <a:off x="8177979" y="2770733"/>
             <a:ext cx="1321863" cy="461665"/>
           </a:xfrm>
           <a:prstGeom prst="rect">
@@ -17983,7 +17986,7 @@
         </p:nvCxnSpPr>
         <p:spPr>
           <a:xfrm flipH="1">
-            <a:off x="3573440" y="2451795"/>
+            <a:off x="4507709" y="2451795"/>
             <a:ext cx="683855" cy="413876"/>
           </a:xfrm>
           <a:prstGeom prst="straightConnector1">
@@ -18020,7 +18023,7 @@
         </p:nvSpPr>
         <p:spPr>
           <a:xfrm>
-            <a:off x="4217108" y="2258166"/>
+            <a:off x="5151377" y="2258166"/>
             <a:ext cx="686406" cy="369332"/>
           </a:xfrm>
           <a:prstGeom prst="rect">
@@ -18050,7 +18053,7 @@
         </p:nvSpPr>
         <p:spPr>
           <a:xfrm>
-            <a:off x="3063651" y="3312521"/>
+            <a:off x="3997920" y="3312521"/>
             <a:ext cx="1127232" cy="369332"/>
           </a:xfrm>
           <a:prstGeom prst="rect">
@@ -18084,7 +18087,7 @@
         </p:nvSpPr>
         <p:spPr>
           <a:xfrm>
-            <a:off x="5166022" y="3358041"/>
+            <a:off x="6100291" y="3358041"/>
             <a:ext cx="1005403" cy="369332"/>
           </a:xfrm>
           <a:prstGeom prst="rect">
@@ -18114,7 +18117,7 @@
         </p:nvSpPr>
         <p:spPr>
           <a:xfrm>
-            <a:off x="1551556" y="3279979"/>
+            <a:off x="2485825" y="3279979"/>
             <a:ext cx="1005403" cy="369332"/>
           </a:xfrm>
           <a:prstGeom prst="rect">
@@ -18144,7 +18147,7 @@
         </p:nvSpPr>
         <p:spPr>
           <a:xfrm>
-            <a:off x="3024956" y="2348750"/>
+            <a:off x="3959225" y="2348750"/>
             <a:ext cx="548483" cy="369332"/>
           </a:xfrm>
           <a:prstGeom prst="rect">
@@ -18174,7 +18177,7 @@
         </p:nvSpPr>
         <p:spPr>
           <a:xfrm>
-            <a:off x="5121249" y="2348750"/>
+            <a:off x="6055518" y="2348750"/>
             <a:ext cx="851259" cy="369332"/>
           </a:xfrm>
           <a:prstGeom prst="rect">
@@ -18204,7 +18207,7 @@
         </p:nvCxnSpPr>
         <p:spPr>
           <a:xfrm flipH="1">
-            <a:off x="5980923" y="2472645"/>
+            <a:off x="6915192" y="2472645"/>
             <a:ext cx="444992" cy="73080"/>
           </a:xfrm>
           <a:prstGeom prst="straightConnector1">
@@ -18241,7 +18244,7 @@
         </p:nvSpPr>
         <p:spPr>
           <a:xfrm>
-            <a:off x="6385727" y="2279016"/>
+            <a:off x="7319996" y="2279016"/>
             <a:ext cx="716863" cy="369332"/>
           </a:xfrm>
           <a:prstGeom prst="rect">
@@ -18271,7 +18274,7 @@
         </p:nvSpPr>
         <p:spPr>
           <a:xfrm>
-            <a:off x="3101069" y="325772"/>
+            <a:off x="4035338" y="325772"/>
             <a:ext cx="548483" cy="369332"/>
           </a:xfrm>
           <a:prstGeom prst="rect">
@@ -18301,7 +18304,7 @@
         </p:nvSpPr>
         <p:spPr>
           <a:xfrm>
-            <a:off x="5197362" y="325772"/>
+            <a:off x="6131631" y="325772"/>
             <a:ext cx="851259" cy="369332"/>
           </a:xfrm>
           <a:prstGeom prst="rect">
@@ -18331,7 +18334,7 @@
         </p:nvSpPr>
         <p:spPr>
           <a:xfrm>
-            <a:off x="-578439" y="289748"/>
+            <a:off x="355830" y="289748"/>
             <a:ext cx="1119922" cy="369332"/>
           </a:xfrm>
           <a:prstGeom prst="rect">
@@ -18361,7 +18364,7 @@
         </p:nvSpPr>
         <p:spPr>
           <a:xfrm>
-            <a:off x="-721217" y="4333055"/>
+            <a:off x="213052" y="4333055"/>
             <a:ext cx="8916650" cy="1485094"/>
           </a:xfrm>
           <a:prstGeom prst="rect">
@@ -18407,7 +18410,7 @@
         </p:nvGrpSpPr>
         <p:grpSpPr>
           <a:xfrm>
-            <a:off x="3160908" y="4808657"/>
+            <a:off x="4095177" y="4808657"/>
             <a:ext cx="1675284" cy="565266"/>
             <a:chOff x="1762298" y="2377439"/>
             <a:chExt cx="1274200" cy="565266"/>
@@ -18597,7 +18600,7 @@
         </p:nvCxnSpPr>
         <p:spPr>
           <a:xfrm>
-            <a:off x="4429595" y="5092141"/>
+            <a:off x="5363864" y="5092141"/>
             <a:ext cx="802839" cy="525455"/>
           </a:xfrm>
           <a:prstGeom prst="bentConnector3">
@@ -18633,7 +18636,7 @@
         </p:nvGrpSpPr>
         <p:grpSpPr>
           <a:xfrm>
-            <a:off x="5272744" y="4792971"/>
+            <a:off x="6207013" y="4792971"/>
             <a:ext cx="1675284" cy="565266"/>
             <a:chOff x="1762298" y="2377439"/>
             <a:chExt cx="1274200" cy="565266"/>
@@ -18821,7 +18824,7 @@
         </p:nvCxnSpPr>
         <p:spPr>
           <a:xfrm>
-            <a:off x="6541431" y="5076455"/>
+            <a:off x="7475700" y="5076455"/>
             <a:ext cx="836146" cy="0"/>
           </a:xfrm>
           <a:prstGeom prst="straightConnector1">
@@ -18855,7 +18858,7 @@
         </p:nvSpPr>
         <p:spPr>
           <a:xfrm>
-            <a:off x="7310122" y="4845622"/>
+            <a:off x="8244391" y="4845622"/>
             <a:ext cx="1321863" cy="461665"/>
           </a:xfrm>
           <a:prstGeom prst="rect">
@@ -18885,7 +18888,7 @@
         </p:nvSpPr>
         <p:spPr>
           <a:xfrm>
-            <a:off x="3130063" y="5387410"/>
+            <a:off x="4064332" y="5387410"/>
             <a:ext cx="1127232" cy="369332"/>
           </a:xfrm>
           <a:prstGeom prst="rect">
@@ -18919,7 +18922,7 @@
         </p:nvSpPr>
         <p:spPr>
           <a:xfrm>
-            <a:off x="5232434" y="5432930"/>
+            <a:off x="6166703" y="5432930"/>
             <a:ext cx="1005403" cy="369332"/>
           </a:xfrm>
           <a:prstGeom prst="rect">
@@ -18949,7 +18952,7 @@
         </p:nvGrpSpPr>
         <p:grpSpPr>
           <a:xfrm>
-            <a:off x="-551471" y="4808657"/>
+            <a:off x="382798" y="4808657"/>
             <a:ext cx="1675284" cy="565266"/>
             <a:chOff x="1762298" y="2377439"/>
             <a:chExt cx="1274200" cy="565266"/>
@@ -19129,22 +19132,274 @@
           </p:txBody>
         </p:sp>
       </p:grpSp>
+      <p:sp>
+        <p:nvSpPr>
+          <p:cNvPr id="157" name="TextBox 156"/>
+          <p:cNvSpPr txBox="1"/>
+          <p:nvPr/>
+        </p:nvSpPr>
+        <p:spPr>
+          <a:xfrm>
+            <a:off x="324314" y="5382653"/>
+            <a:ext cx="1220206" cy="369332"/>
+          </a:xfrm>
+          <a:prstGeom prst="rect">
+            <a:avLst/>
+          </a:prstGeom>
+          <a:noFill/>
+        </p:spPr>
+        <p:txBody>
+          <a:bodyPr wrap="none" rtlCol="0">
+            <a:spAutoFit/>
+          </a:bodyPr>
+          <a:lstStyle/>
+          <a:p>
+            <a:r>
+              <a:rPr lang="en-US" dirty="0" smtClean="0"/>
+              <a:t>add: c3212</a:t>
+            </a:r>
+            <a:endParaRPr lang="en-US" dirty="0"/>
+          </a:p>
+        </p:txBody>
+      </p:sp>
+      <p:sp>
+        <p:nvSpPr>
+          <p:cNvPr id="158" name="TextBox 157"/>
+          <p:cNvSpPr txBox="1"/>
+          <p:nvPr/>
+        </p:nvSpPr>
+        <p:spPr>
+          <a:xfrm>
+            <a:off x="4035338" y="4423639"/>
+            <a:ext cx="548483" cy="369332"/>
+          </a:xfrm>
+          <a:prstGeom prst="rect">
+            <a:avLst/>
+          </a:prstGeom>
+          <a:noFill/>
+        </p:spPr>
+        <p:txBody>
+          <a:bodyPr wrap="none" rtlCol="0">
+            <a:spAutoFit/>
+          </a:bodyPr>
+          <a:lstStyle/>
+          <a:p>
+            <a:r>
+              <a:rPr lang="en-US" dirty="0" smtClean="0"/>
+              <a:t>first</a:t>
+            </a:r>
+            <a:endParaRPr lang="en-US" dirty="0"/>
+          </a:p>
+        </p:txBody>
+      </p:sp>
+      <p:sp>
+        <p:nvSpPr>
+          <p:cNvPr id="159" name="TextBox 158"/>
+          <p:cNvSpPr txBox="1"/>
+          <p:nvPr/>
+        </p:nvSpPr>
+        <p:spPr>
+          <a:xfrm>
+            <a:off x="6131631" y="4423639"/>
+            <a:ext cx="851259" cy="369332"/>
+          </a:xfrm>
+          <a:prstGeom prst="rect">
+            <a:avLst/>
+          </a:prstGeom>
+          <a:noFill/>
+        </p:spPr>
+        <p:txBody>
+          <a:bodyPr wrap="none" rtlCol="0">
+            <a:spAutoFit/>
+          </a:bodyPr>
+          <a:lstStyle/>
+          <a:p>
+            <a:r>
+              <a:rPr lang="en-US" dirty="0" smtClean="0"/>
+              <a:t>second</a:t>
+            </a:r>
+            <a:endParaRPr lang="en-US" dirty="0"/>
+          </a:p>
+        </p:txBody>
+      </p:sp>
+      <p:sp>
+        <p:nvSpPr>
+          <p:cNvPr id="160" name="TextBox 159"/>
+          <p:cNvSpPr txBox="1"/>
+          <p:nvPr/>
+        </p:nvSpPr>
+        <p:spPr>
+          <a:xfrm>
+            <a:off x="355830" y="4387615"/>
+            <a:ext cx="1119922" cy="369332"/>
+          </a:xfrm>
+          <a:prstGeom prst="rect">
+            <a:avLst/>
+          </a:prstGeom>
+          <a:noFill/>
+        </p:spPr>
+        <p:txBody>
+          <a:bodyPr wrap="none" rtlCol="0">
+            <a:spAutoFit/>
+          </a:bodyPr>
+          <a:lstStyle/>
+          <a:p>
+            <a:r>
+              <a:rPr lang="en-US" dirty="0" smtClean="0"/>
+              <a:t>new node</a:t>
+            </a:r>
+            <a:endParaRPr lang="en-US" dirty="0"/>
+          </a:p>
+        </p:txBody>
+      </p:sp>
+      <p:sp>
+        <p:nvSpPr>
+          <p:cNvPr id="109" name="Rectangle 108"/>
+          <p:cNvSpPr/>
+          <p:nvPr/>
+        </p:nvSpPr>
+        <p:spPr>
+          <a:xfrm>
+            <a:off x="1634494" y="804890"/>
+            <a:ext cx="213114" cy="183769"/>
+          </a:xfrm>
+          <a:prstGeom prst="rect">
+            <a:avLst/>
+          </a:prstGeom>
+          <a:noFill/>
+          <a:ln w="25400">
+            <a:noFill/>
+          </a:ln>
+        </p:spPr>
+        <p:style>
+          <a:lnRef idx="2">
+            <a:schemeClr val="accent1">
+              <a:shade val="50000"/>
+            </a:schemeClr>
+          </a:lnRef>
+          <a:fillRef idx="1">
+            <a:schemeClr val="accent1"/>
+          </a:fillRef>
+          <a:effectRef idx="0">
+            <a:schemeClr val="accent1"/>
+          </a:effectRef>
+          <a:fontRef idx="minor">
+            <a:schemeClr val="lt1"/>
+          </a:fontRef>
+        </p:style>
+        <p:txBody>
+          <a:bodyPr rtlCol="0" anchor="ctr"/>
+          <a:lstStyle/>
+          <a:p>
+            <a:pPr algn="ctr"/>
+            <a:endParaRPr lang="en-US"/>
+          </a:p>
+        </p:txBody>
+      </p:sp>
+      <p:sp>
+        <p:nvSpPr>
+          <p:cNvPr id="110" name="Rectangle 109"/>
+          <p:cNvSpPr/>
+          <p:nvPr/>
+        </p:nvSpPr>
+        <p:spPr>
+          <a:xfrm>
+            <a:off x="4102550" y="1469452"/>
+            <a:ext cx="213114" cy="150728"/>
+          </a:xfrm>
+          <a:prstGeom prst="rect">
+            <a:avLst/>
+          </a:prstGeom>
+          <a:noFill/>
+          <a:ln w="25400">
+            <a:noFill/>
+          </a:ln>
+        </p:spPr>
+        <p:style>
+          <a:lnRef idx="2">
+            <a:schemeClr val="accent1">
+              <a:shade val="50000"/>
+            </a:schemeClr>
+          </a:lnRef>
+          <a:fillRef idx="1">
+            <a:schemeClr val="accent1"/>
+          </a:fillRef>
+          <a:effectRef idx="0">
+            <a:schemeClr val="accent1"/>
+          </a:effectRef>
+          <a:fontRef idx="minor">
+            <a:schemeClr val="lt1"/>
+          </a:fontRef>
+        </p:style>
+        <p:txBody>
+          <a:bodyPr rtlCol="0" anchor="ctr"/>
+          <a:lstStyle/>
+          <a:p>
+            <a:pPr algn="ctr"/>
+            <a:endParaRPr lang="en-US"/>
+          </a:p>
+        </p:txBody>
+      </p:sp>
+      <p:sp>
+        <p:nvSpPr>
+          <p:cNvPr id="111" name="Rectangle 110"/>
+          <p:cNvSpPr/>
+          <p:nvPr/>
+        </p:nvSpPr>
+        <p:spPr>
+          <a:xfrm>
+            <a:off x="2973647" y="4779695"/>
+            <a:ext cx="617791" cy="565265"/>
+          </a:xfrm>
+          <a:prstGeom prst="rect">
+            <a:avLst/>
+          </a:prstGeom>
+          <a:noFill/>
+          <a:ln w="25400"/>
+        </p:spPr>
+        <p:style>
+          <a:lnRef idx="2">
+            <a:schemeClr val="accent1">
+              <a:shade val="50000"/>
+            </a:schemeClr>
+          </a:lnRef>
+          <a:fillRef idx="1">
+            <a:schemeClr val="accent1"/>
+          </a:fillRef>
+          <a:effectRef idx="0">
+            <a:schemeClr val="accent1"/>
+          </a:effectRef>
+          <a:fontRef idx="minor">
+            <a:schemeClr val="lt1"/>
+          </a:fontRef>
+        </p:style>
+        <p:txBody>
+          <a:bodyPr rtlCol="0" anchor="ctr"/>
+          <a:lstStyle/>
+          <a:p>
+            <a:pPr algn="ctr"/>
+            <a:endParaRPr lang="en-US"/>
+          </a:p>
+        </p:txBody>
+      </p:sp>
       <p:cxnSp>
         <p:nvCxnSpPr>
-          <p:cNvPr id="156" name="Straight Arrow Connector 7"/>
+          <p:cNvPr id="112" name="Straight Arrow Connector 7"/>
           <p:cNvCxnSpPr>
-            <a:endCxn id="147" idx="1"/>
+            <a:stCxn id="124" idx="1"/>
+            <a:endCxn id="121" idx="0"/>
           </p:cNvCxnSpPr>
           <p:nvPr/>
         </p:nvCxnSpPr>
         <p:spPr>
-          <a:xfrm>
-            <a:off x="826937" y="5091288"/>
-            <a:ext cx="2303126" cy="480788"/>
-          </a:xfrm>
-          <a:prstGeom prst="bentConnector3">
+          <a:xfrm rot="10800000">
+            <a:off x="479904" y="4486521"/>
+            <a:ext cx="2612856" cy="575806"/>
+          </a:xfrm>
+          <a:prstGeom prst="bentConnector4">
             <a:avLst>
-              <a:gd name="adj1" fmla="val 50000"/>
+              <a:gd name="adj1" fmla="val 29482"/>
+              <a:gd name="adj2" fmla="val 157511"/>
             </a:avLst>
           </a:prstGeom>
           <a:ln w="50800">
@@ -19169,14 +19424,44 @@
       </p:cxnSp>
       <p:sp>
         <p:nvSpPr>
-          <p:cNvPr id="157" name="TextBox 156"/>
+          <p:cNvPr id="113" name="TextBox 112"/>
           <p:cNvSpPr txBox="1"/>
           <p:nvPr/>
         </p:nvSpPr>
         <p:spPr>
           <a:xfrm>
-            <a:off x="-609955" y="5382653"/>
-            <a:ext cx="1220206" cy="369332"/>
+            <a:off x="2912528" y="4426046"/>
+            <a:ext cx="894745" cy="369332"/>
+          </a:xfrm>
+          <a:prstGeom prst="rect">
+            <a:avLst/>
+          </a:prstGeom>
+          <a:noFill/>
+        </p:spPr>
+        <p:txBody>
+          <a:bodyPr wrap="square" rtlCol="0">
+            <a:spAutoFit/>
+          </a:bodyPr>
+          <a:lstStyle/>
+          <a:p>
+            <a:r>
+              <a:rPr lang="en-US" dirty="0" smtClean="0"/>
+              <a:t>head</a:t>
+            </a:r>
+            <a:endParaRPr lang="en-US" dirty="0"/>
+          </a:p>
+        </p:txBody>
+      </p:sp>
+      <p:sp>
+        <p:nvSpPr>
+          <p:cNvPr id="114" name="TextBox 113"/>
+          <p:cNvSpPr txBox="1"/>
+          <p:nvPr/>
+        </p:nvSpPr>
+        <p:spPr>
+          <a:xfrm>
+            <a:off x="2565757" y="5357275"/>
+            <a:ext cx="1005403" cy="369332"/>
           </a:xfrm>
           <a:prstGeom prst="rect">
             <a:avLst/>
@@ -19191,99 +19476,224 @@
           <a:p>
             <a:r>
               <a:rPr lang="en-US" dirty="0" smtClean="0"/>
-              <a:t>add: c3212</a:t>
+              <a:t>add: 320</a:t>
             </a:r>
             <a:endParaRPr lang="en-US" dirty="0"/>
+          </a:p>
+        </p:txBody>
+      </p:sp>
+      <p:cxnSp>
+        <p:nvCxnSpPr>
+          <p:cNvPr id="115" name="Straight Arrow Connector 7"/>
+          <p:cNvCxnSpPr>
+            <a:stCxn id="116" idx="2"/>
+            <a:endCxn id="117" idx="2"/>
+          </p:cNvCxnSpPr>
+          <p:nvPr/>
+        </p:nvCxnSpPr>
+        <p:spPr>
+          <a:xfrm rot="16200000" flipH="1">
+            <a:off x="2672839" y="4170665"/>
+            <a:ext cx="631521" cy="2468056"/>
+          </a:xfrm>
+          <a:prstGeom prst="bentConnector3">
+            <a:avLst>
+              <a:gd name="adj1" fmla="val 153673"/>
+            </a:avLst>
+          </a:prstGeom>
+          <a:ln w="50800">
+            <a:headEnd type="oval"/>
+            <a:tailEnd type="arrow"/>
+          </a:ln>
+        </p:spPr>
+        <p:style>
+          <a:lnRef idx="1">
+            <a:schemeClr val="accent1"/>
+          </a:lnRef>
+          <a:fillRef idx="0">
+            <a:schemeClr val="accent1"/>
+          </a:fillRef>
+          <a:effectRef idx="0">
+            <a:schemeClr val="accent1"/>
+          </a:effectRef>
+          <a:fontRef idx="minor">
+            <a:schemeClr val="tx1"/>
+          </a:fontRef>
+        </p:style>
+      </p:cxnSp>
+      <p:sp>
+        <p:nvSpPr>
+          <p:cNvPr id="116" name="Rectangle 115"/>
+          <p:cNvSpPr/>
+          <p:nvPr/>
+        </p:nvSpPr>
+        <p:spPr>
+          <a:xfrm>
+            <a:off x="1648014" y="4905164"/>
+            <a:ext cx="213114" cy="183769"/>
+          </a:xfrm>
+          <a:prstGeom prst="rect">
+            <a:avLst/>
+          </a:prstGeom>
+          <a:noFill/>
+          <a:ln w="25400">
+            <a:noFill/>
+          </a:ln>
+        </p:spPr>
+        <p:style>
+          <a:lnRef idx="2">
+            <a:schemeClr val="accent1">
+              <a:shade val="50000"/>
+            </a:schemeClr>
+          </a:lnRef>
+          <a:fillRef idx="1">
+            <a:schemeClr val="accent1"/>
+          </a:fillRef>
+          <a:effectRef idx="0">
+            <a:schemeClr val="accent1"/>
+          </a:effectRef>
+          <a:fontRef idx="minor">
+            <a:schemeClr val="lt1"/>
+          </a:fontRef>
+        </p:style>
+        <p:txBody>
+          <a:bodyPr rtlCol="0" anchor="ctr"/>
+          <a:lstStyle/>
+          <a:p>
+            <a:pPr algn="ctr"/>
+            <a:endParaRPr lang="en-US"/>
           </a:p>
         </p:txBody>
       </p:sp>
       <p:sp>
         <p:nvSpPr>
-          <p:cNvPr id="158" name="TextBox 157"/>
-          <p:cNvSpPr txBox="1"/>
+          <p:cNvPr id="117" name="Rectangle 116"/>
+          <p:cNvSpPr/>
           <p:nvPr/>
         </p:nvSpPr>
         <p:spPr>
           <a:xfrm>
-            <a:off x="3101069" y="4423639"/>
-            <a:ext cx="548483" cy="369332"/>
+            <a:off x="4116070" y="5569726"/>
+            <a:ext cx="213114" cy="150728"/>
           </a:xfrm>
           <a:prstGeom prst="rect">
             <a:avLst/>
           </a:prstGeom>
           <a:noFill/>
-        </p:spPr>
+          <a:ln w="25400">
+            <a:noFill/>
+          </a:ln>
+        </p:spPr>
+        <p:style>
+          <a:lnRef idx="2">
+            <a:schemeClr val="accent1">
+              <a:shade val="50000"/>
+            </a:schemeClr>
+          </a:lnRef>
+          <a:fillRef idx="1">
+            <a:schemeClr val="accent1"/>
+          </a:fillRef>
+          <a:effectRef idx="0">
+            <a:schemeClr val="accent1"/>
+          </a:effectRef>
+          <a:fontRef idx="minor">
+            <a:schemeClr val="lt1"/>
+          </a:fontRef>
+        </p:style>
         <p:txBody>
-          <a:bodyPr wrap="none" rtlCol="0">
-            <a:spAutoFit/>
-          </a:bodyPr>
+          <a:bodyPr rtlCol="0" anchor="ctr"/>
           <a:lstStyle/>
           <a:p>
-            <a:r>
-              <a:rPr lang="en-US" dirty="0" smtClean="0"/>
-              <a:t>first</a:t>
-            </a:r>
-            <a:endParaRPr lang="en-US" dirty="0"/>
+            <a:pPr algn="ctr"/>
+            <a:endParaRPr lang="en-US"/>
           </a:p>
         </p:txBody>
       </p:sp>
       <p:sp>
         <p:nvSpPr>
-          <p:cNvPr id="159" name="TextBox 158"/>
-          <p:cNvSpPr txBox="1"/>
+          <p:cNvPr id="121" name="Rectangle 120"/>
+          <p:cNvSpPr/>
           <p:nvPr/>
         </p:nvSpPr>
         <p:spPr>
           <a:xfrm>
-            <a:off x="5197362" y="4423639"/>
-            <a:ext cx="851259" cy="369332"/>
+            <a:off x="373347" y="4486521"/>
+            <a:ext cx="213114" cy="150728"/>
           </a:xfrm>
           <a:prstGeom prst="rect">
             <a:avLst/>
           </a:prstGeom>
           <a:noFill/>
-        </p:spPr>
+          <a:ln w="25400">
+            <a:noFill/>
+          </a:ln>
+        </p:spPr>
+        <p:style>
+          <a:lnRef idx="2">
+            <a:schemeClr val="accent1">
+              <a:shade val="50000"/>
+            </a:schemeClr>
+          </a:lnRef>
+          <a:fillRef idx="1">
+            <a:schemeClr val="accent1"/>
+          </a:fillRef>
+          <a:effectRef idx="0">
+            <a:schemeClr val="accent1"/>
+          </a:effectRef>
+          <a:fontRef idx="minor">
+            <a:schemeClr val="lt1"/>
+          </a:fontRef>
+        </p:style>
         <p:txBody>
-          <a:bodyPr wrap="none" rtlCol="0">
-            <a:spAutoFit/>
-          </a:bodyPr>
+          <a:bodyPr rtlCol="0" anchor="ctr"/>
           <a:lstStyle/>
           <a:p>
-            <a:r>
-              <a:rPr lang="en-US" dirty="0" smtClean="0"/>
-              <a:t>second</a:t>
-            </a:r>
-            <a:endParaRPr lang="en-US" dirty="0"/>
+            <a:pPr algn="ctr"/>
+            <a:endParaRPr lang="en-US"/>
           </a:p>
         </p:txBody>
       </p:sp>
       <p:sp>
         <p:nvSpPr>
-          <p:cNvPr id="160" name="TextBox 159"/>
-          <p:cNvSpPr txBox="1"/>
+          <p:cNvPr id="124" name="Rectangle 123"/>
+          <p:cNvSpPr/>
           <p:nvPr/>
         </p:nvSpPr>
         <p:spPr>
           <a:xfrm>
-            <a:off x="-578439" y="4387615"/>
-            <a:ext cx="654346" cy="369332"/>
+            <a:off x="3092760" y="4970442"/>
+            <a:ext cx="213114" cy="183769"/>
           </a:xfrm>
           <a:prstGeom prst="rect">
             <a:avLst/>
           </a:prstGeom>
           <a:noFill/>
-        </p:spPr>
+          <a:ln w="25400">
+            <a:noFill/>
+          </a:ln>
+        </p:spPr>
+        <p:style>
+          <a:lnRef idx="2">
+            <a:schemeClr val="accent1">
+              <a:shade val="50000"/>
+            </a:schemeClr>
+          </a:lnRef>
+          <a:fillRef idx="1">
+            <a:schemeClr val="accent1"/>
+          </a:fillRef>
+          <a:effectRef idx="0">
+            <a:schemeClr val="accent1"/>
+          </a:effectRef>
+          <a:fontRef idx="minor">
+            <a:schemeClr val="lt1"/>
+          </a:fontRef>
+        </p:style>
         <p:txBody>
-          <a:bodyPr wrap="none" rtlCol="0">
-            <a:spAutoFit/>
-          </a:bodyPr>
+          <a:bodyPr rtlCol="0" anchor="ctr"/>
           <a:lstStyle/>
           <a:p>
-            <a:r>
-              <a:rPr lang="en-US" smtClean="0"/>
-              <a:t>head</a:t>
-            </a:r>
-            <a:endParaRPr lang="en-US" dirty="0"/>
+            <a:pPr algn="ctr"/>
+            <a:endParaRPr lang="en-US"/>
           </a:p>
         </p:txBody>
       </p:sp>
@@ -20194,7 +20604,7 @@
         <p:spPr>
           <a:xfrm>
             <a:off x="598309" y="3226057"/>
-            <a:ext cx="608308" cy="461665"/>
+            <a:ext cx="805349" cy="461665"/>
           </a:xfrm>
           <a:prstGeom prst="rect">
             <a:avLst/>
@@ -20208,8 +20618,8 @@
           <a:lstStyle/>
           <a:p>
             <a:r>
-              <a:rPr lang="en-US" sz="2400" smtClean="0"/>
-              <a:t>top</a:t>
+              <a:rPr lang="en-US" sz="2400" dirty="0" smtClean="0"/>
+              <a:t>front</a:t>
             </a:r>
             <a:endParaRPr lang="en-US" sz="2400" dirty="0"/>
           </a:p>
@@ -22440,11 +22850,7 @@
           <a:p>
             <a:r>
               <a:rPr lang="en-US" dirty="0" smtClean="0"/>
-              <a:t>node</a:t>
-            </a:r>
-            <a:r>
-              <a:rPr lang="en-US" dirty="0" smtClean="0"/>
-              <a:t> </a:t>
+              <a:t>node </a:t>
             </a:r>
             <a:endParaRPr lang="en-US" dirty="0"/>
           </a:p>
